--- a/Presentation.pptx
+++ b/Presentation.pptx
@@ -13,8 +13,8 @@
     <p:sldId id="270" r:id="rId4"/>
     <p:sldId id="263" r:id="rId5"/>
     <p:sldId id="271" r:id="rId6"/>
-    <p:sldId id="269" r:id="rId7"/>
-    <p:sldId id="261" r:id="rId8"/>
+    <p:sldId id="261" r:id="rId7"/>
+    <p:sldId id="269" r:id="rId8"/>
     <p:sldId id="272" r:id="rId9"/>
     <p:sldId id="264" r:id="rId10"/>
     <p:sldId id="268" r:id="rId11"/>
@@ -4895,23 +4895,6 @@
             </a:pPr>
             <a:r>
               <a:rPr lang="en-US" sz="2000" dirty="0"/>
-              <a:t>Potentially relevant variables are present in recipes but unavailable in the dataset ('price per serving' and 'time to make’).</a:t>
-            </a:r>
-          </a:p>
-          <a:p>
-            <a:pPr marL="342900" indent="-342900">
-              <a:buFont typeface="Arial" panose="020B0604020202020204" pitchFamily="34" charset="0"/>
-              <a:buChar char="•"/>
-            </a:pPr>
-            <a:endParaRPr lang="en-US" sz="2000" dirty="0"/>
-          </a:p>
-          <a:p>
-            <a:pPr marL="342900" indent="-342900">
-              <a:buFont typeface="Arial" panose="020B0604020202020204" pitchFamily="34" charset="0"/>
-              <a:buChar char="•"/>
-            </a:pPr>
-            <a:r>
-              <a:rPr lang="en-US" sz="2000" dirty="0"/>
               <a:t>Recommended emphasis on recipes of the following categories: </a:t>
             </a:r>
             <a:r>
@@ -4923,6 +4906,23 @@
                 </a:solidFill>
               </a:rPr>
               <a:t>'vegetable', 'potato', 'pork', 'meat', and 'one dish meal’.</a:t>
+            </a:r>
+          </a:p>
+          <a:p>
+            <a:pPr marL="342900" indent="-342900">
+              <a:buFont typeface="Arial" panose="020B0604020202020204" pitchFamily="34" charset="0"/>
+              <a:buChar char="•"/>
+            </a:pPr>
+            <a:endParaRPr lang="en-US" sz="2000" dirty="0"/>
+          </a:p>
+          <a:p>
+            <a:pPr marL="342900" indent="-342900">
+              <a:buFont typeface="Arial" panose="020B0604020202020204" pitchFamily="34" charset="0"/>
+              <a:buChar char="•"/>
+            </a:pPr>
+            <a:r>
+              <a:rPr lang="en-US" sz="2000" dirty="0"/>
+              <a:t>Potentially relevant variables are present in recipes but unavailable in the dataset ('price per serving' and 'time to make’).</a:t>
             </a:r>
           </a:p>
           <a:p>
@@ -6322,36 +6322,6 @@
           <a:chExt cx="0" cy="0"/>
         </a:xfrm>
       </p:grpSpPr>
-      <p:pic>
-        <p:nvPicPr>
-          <p:cNvPr id="5" name="Picture 4">
-            <a:extLst>
-              <a:ext uri="{FF2B5EF4-FFF2-40B4-BE49-F238E27FC236}">
-                <a16:creationId xmlns:a16="http://schemas.microsoft.com/office/drawing/2014/main" id="{6ADA8FEE-0593-37A5-E389-E02E7D771246}"/>
-              </a:ext>
-            </a:extLst>
-          </p:cNvPr>
-          <p:cNvPicPr>
-            <a:picLocks noChangeAspect="1"/>
-          </p:cNvPicPr>
-          <p:nvPr/>
-        </p:nvPicPr>
-        <p:blipFill>
-          <a:blip r:embed="rId4"/>
-          <a:stretch>
-            <a:fillRect/>
-          </a:stretch>
-        </p:blipFill>
-        <p:spPr>
-          <a:xfrm>
-            <a:off x="3161944" y="1728285"/>
-            <a:ext cx="5331508" cy="4353120"/>
-          </a:xfrm>
-          <a:prstGeom prst="rect">
-            <a:avLst/>
-          </a:prstGeom>
-        </p:spPr>
-      </p:pic>
       <p:sp>
         <p:nvSpPr>
           <p:cNvPr id="2" name="Subtitle 2">
@@ -6417,6 +6387,36 @@
           </a:p>
         </p:txBody>
       </p:sp>
+      <p:pic>
+        <p:nvPicPr>
+          <p:cNvPr id="4" name="Picture 3">
+            <a:extLst>
+              <a:ext uri="{FF2B5EF4-FFF2-40B4-BE49-F238E27FC236}">
+                <a16:creationId xmlns:a16="http://schemas.microsoft.com/office/drawing/2014/main" id="{49AC9D21-EDC6-9DD0-2F48-F0131D751F1F}"/>
+              </a:ext>
+            </a:extLst>
+          </p:cNvPr>
+          <p:cNvPicPr>
+            <a:picLocks noChangeAspect="1"/>
+          </p:cNvPicPr>
+          <p:nvPr/>
+        </p:nvPicPr>
+        <p:blipFill>
+          <a:blip r:embed="rId4"/>
+          <a:stretch>
+            <a:fillRect/>
+          </a:stretch>
+        </p:blipFill>
+        <p:spPr>
+          <a:xfrm>
+            <a:off x="3263903" y="1571387"/>
+            <a:ext cx="5664194" cy="4624756"/>
+          </a:xfrm>
+          <a:prstGeom prst="rect">
+            <a:avLst/>
+          </a:prstGeom>
+        </p:spPr>
+      </p:pic>
     </p:spTree>
     <p:extLst>
       <p:ext uri="{BB962C8B-B14F-4D97-AF65-F5344CB8AC3E}">
@@ -6462,42 +6462,12 @@
           <a:chExt cx="0" cy="0"/>
         </a:xfrm>
       </p:grpSpPr>
-      <p:pic>
-        <p:nvPicPr>
-          <p:cNvPr id="3" name="Picture 2">
-            <a:extLst>
-              <a:ext uri="{FF2B5EF4-FFF2-40B4-BE49-F238E27FC236}">
-                <a16:creationId xmlns:a16="http://schemas.microsoft.com/office/drawing/2014/main" id="{37C5FF87-99B2-1D4D-8064-93A8E98048A9}"/>
-              </a:ext>
-            </a:extLst>
-          </p:cNvPr>
-          <p:cNvPicPr>
-            <a:picLocks noChangeAspect="1"/>
-          </p:cNvPicPr>
-          <p:nvPr/>
-        </p:nvPicPr>
-        <p:blipFill>
-          <a:blip r:embed="rId3"/>
-          <a:stretch>
-            <a:fillRect/>
-          </a:stretch>
-        </p:blipFill>
-        <p:spPr>
-          <a:xfrm>
-            <a:off x="2324456" y="1462046"/>
-            <a:ext cx="7187970" cy="5031580"/>
-          </a:xfrm>
-          <a:prstGeom prst="rect">
-            <a:avLst/>
-          </a:prstGeom>
-        </p:spPr>
-      </p:pic>
       <p:sp>
         <p:nvSpPr>
           <p:cNvPr id="5" name="Subtitle 2">
             <a:extLst>
               <a:ext uri="{FF2B5EF4-FFF2-40B4-BE49-F238E27FC236}">
-                <a16:creationId xmlns:a16="http://schemas.microsoft.com/office/drawing/2014/main" id="{3F3239F2-093E-F35F-2BA8-274B0814291A}"/>
+                <a16:creationId xmlns:a16="http://schemas.microsoft.com/office/drawing/2014/main" id="{B01430A9-EC08-2CEF-9A5F-8C65095653B8}"/>
               </a:ext>
             </a:extLst>
           </p:cNvPr>
@@ -6575,10 +6545,40 @@
           </a:p>
         </p:txBody>
       </p:sp>
+      <p:pic>
+        <p:nvPicPr>
+          <p:cNvPr id="7" name="Picture 6">
+            <a:extLst>
+              <a:ext uri="{FF2B5EF4-FFF2-40B4-BE49-F238E27FC236}">
+                <a16:creationId xmlns:a16="http://schemas.microsoft.com/office/drawing/2014/main" id="{3DDDD270-A017-2DEE-7BF7-5B884E18F7BC}"/>
+              </a:ext>
+            </a:extLst>
+          </p:cNvPr>
+          <p:cNvPicPr>
+            <a:picLocks noChangeAspect="1"/>
+          </p:cNvPicPr>
+          <p:nvPr/>
+        </p:nvPicPr>
+        <p:blipFill>
+          <a:blip r:embed="rId3"/>
+          <a:stretch>
+            <a:fillRect/>
+          </a:stretch>
+        </p:blipFill>
+        <p:spPr>
+          <a:xfrm>
+            <a:off x="2881454" y="1789627"/>
+            <a:ext cx="6142892" cy="4286064"/>
+          </a:xfrm>
+          <a:prstGeom prst="rect">
+            <a:avLst/>
+          </a:prstGeom>
+        </p:spPr>
+      </p:pic>
     </p:spTree>
     <p:extLst>
       <p:ext uri="{BB962C8B-B14F-4D97-AF65-F5344CB8AC3E}">
-        <p14:creationId xmlns:p14="http://schemas.microsoft.com/office/powerpoint/2010/main" val="1425727288"/>
+        <p14:creationId xmlns:p14="http://schemas.microsoft.com/office/powerpoint/2010/main" val="2875271230"/>
       </p:ext>
     </p:extLst>
   </p:cSld>
@@ -6622,10 +6622,10 @@
       </p:grpSpPr>
       <p:pic>
         <p:nvPicPr>
-          <p:cNvPr id="4" name="Picture 3">
-            <a:extLst>
-              <a:ext uri="{FF2B5EF4-FFF2-40B4-BE49-F238E27FC236}">
-                <a16:creationId xmlns:a16="http://schemas.microsoft.com/office/drawing/2014/main" id="{7301E663-A00E-6C14-03ED-97C17B9053E8}"/>
+          <p:cNvPr id="3" name="Picture 2">
+            <a:extLst>
+              <a:ext uri="{FF2B5EF4-FFF2-40B4-BE49-F238E27FC236}">
+                <a16:creationId xmlns:a16="http://schemas.microsoft.com/office/drawing/2014/main" id="{37C5FF87-99B2-1D4D-8064-93A8E98048A9}"/>
               </a:ext>
             </a:extLst>
           </p:cNvPr>
@@ -6642,8 +6642,8 @@
         </p:blipFill>
         <p:spPr>
           <a:xfrm>
-            <a:off x="1897449" y="1369781"/>
-            <a:ext cx="7596756" cy="5317728"/>
+            <a:off x="2324456" y="1462046"/>
+            <a:ext cx="7187970" cy="5031580"/>
           </a:xfrm>
           <a:prstGeom prst="rect">
             <a:avLst/>
@@ -6655,7 +6655,7 @@
           <p:cNvPr id="5" name="Subtitle 2">
             <a:extLst>
               <a:ext uri="{FF2B5EF4-FFF2-40B4-BE49-F238E27FC236}">
-                <a16:creationId xmlns:a16="http://schemas.microsoft.com/office/drawing/2014/main" id="{B01430A9-EC08-2CEF-9A5F-8C65095653B8}"/>
+                <a16:creationId xmlns:a16="http://schemas.microsoft.com/office/drawing/2014/main" id="{3F3239F2-093E-F35F-2BA8-274B0814291A}"/>
               </a:ext>
             </a:extLst>
           </p:cNvPr>
@@ -6736,7 +6736,7 @@
     </p:spTree>
     <p:extLst>
       <p:ext uri="{BB962C8B-B14F-4D97-AF65-F5344CB8AC3E}">
-        <p14:creationId xmlns:p14="http://schemas.microsoft.com/office/powerpoint/2010/main" val="2875271230"/>
+        <p14:creationId xmlns:p14="http://schemas.microsoft.com/office/powerpoint/2010/main" val="1425727288"/>
       </p:ext>
     </p:extLst>
   </p:cSld>
@@ -6974,36 +6974,6 @@
           <a:chExt cx="0" cy="0"/>
         </a:xfrm>
       </p:grpSpPr>
-      <p:pic>
-        <p:nvPicPr>
-          <p:cNvPr id="5" name="Picture 4">
-            <a:extLst>
-              <a:ext uri="{FF2B5EF4-FFF2-40B4-BE49-F238E27FC236}">
-                <a16:creationId xmlns:a16="http://schemas.microsoft.com/office/drawing/2014/main" id="{23ED5074-BE68-CBE7-3BCA-CC3DA694735C}"/>
-              </a:ext>
-            </a:extLst>
-          </p:cNvPr>
-          <p:cNvPicPr>
-            <a:picLocks noChangeAspect="1"/>
-          </p:cNvPicPr>
-          <p:nvPr/>
-        </p:nvPicPr>
-        <p:blipFill>
-          <a:blip r:embed="rId4"/>
-          <a:stretch>
-            <a:fillRect/>
-          </a:stretch>
-        </p:blipFill>
-        <p:spPr>
-          <a:xfrm>
-            <a:off x="2717563" y="1585385"/>
-            <a:ext cx="6756874" cy="4353802"/>
-          </a:xfrm>
-          <a:prstGeom prst="rect">
-            <a:avLst/>
-          </a:prstGeom>
-        </p:spPr>
-      </p:pic>
       <p:sp>
         <p:nvSpPr>
           <p:cNvPr id="6" name="Subtitle 2">
@@ -7069,6 +7039,36 @@
           </a:p>
         </p:txBody>
       </p:sp>
+      <p:pic>
+        <p:nvPicPr>
+          <p:cNvPr id="3" name="Picture 2">
+            <a:extLst>
+              <a:ext uri="{FF2B5EF4-FFF2-40B4-BE49-F238E27FC236}">
+                <a16:creationId xmlns:a16="http://schemas.microsoft.com/office/drawing/2014/main" id="{A30469AB-8609-3C52-95D6-800AC7AAB078}"/>
+              </a:ext>
+            </a:extLst>
+          </p:cNvPr>
+          <p:cNvPicPr>
+            <a:picLocks noChangeAspect="1"/>
+          </p:cNvPicPr>
+          <p:nvPr/>
+        </p:nvPicPr>
+        <p:blipFill>
+          <a:blip r:embed="rId4"/>
+          <a:stretch>
+            <a:fillRect/>
+          </a:stretch>
+        </p:blipFill>
+        <p:spPr>
+          <a:xfrm>
+            <a:off x="2853031" y="1614948"/>
+            <a:ext cx="6485938" cy="4645742"/>
+          </a:xfrm>
+          <a:prstGeom prst="rect">
+            <a:avLst/>
+          </a:prstGeom>
+        </p:spPr>
+      </p:pic>
     </p:spTree>
     <p:extLst>
       <p:ext uri="{BB962C8B-B14F-4D97-AF65-F5344CB8AC3E}">
